--- a/ppt 16-9/1117.尊主喜乐.pptx
+++ b/ppt 16-9/1117.尊主喜乐.pptx
@@ -129,7 +129,7 @@
           <p:cNvPr id="2" name="标题 1">
             <a:extLst>
               <a:ext uri="{FF2B5EF4-FFF2-40B4-BE49-F238E27FC236}">
-                <a16:creationId xmlns:a16="http://schemas.microsoft.com/office/drawing/2014/main" id="{49116FC6-8E77-F26E-C6AC-1FD393AF2197}"/>
+                <a16:creationId xmlns:a16="http://schemas.microsoft.com/office/drawing/2014/main" id="{7C50CDCD-D55E-9671-82AF-3831CB7420C9}"/>
               </a:ext>
             </a:extLst>
           </p:cNvPr>
@@ -166,7 +166,7 @@
           <p:cNvPr id="3" name="副标题 2">
             <a:extLst>
               <a:ext uri="{FF2B5EF4-FFF2-40B4-BE49-F238E27FC236}">
-                <a16:creationId xmlns:a16="http://schemas.microsoft.com/office/drawing/2014/main" id="{0B236C4A-A87E-BB73-D8C6-35FC5AD7A26A}"/>
+                <a16:creationId xmlns:a16="http://schemas.microsoft.com/office/drawing/2014/main" id="{CD3E5437-5370-6354-16E4-3BABCD1BD9EA}"/>
               </a:ext>
             </a:extLst>
           </p:cNvPr>
@@ -236,7 +236,7 @@
           <p:cNvPr id="4" name="日期占位符 3">
             <a:extLst>
               <a:ext uri="{FF2B5EF4-FFF2-40B4-BE49-F238E27FC236}">
-                <a16:creationId xmlns:a16="http://schemas.microsoft.com/office/drawing/2014/main" id="{2D701311-677E-9F71-A669-9D52F6B834F3}"/>
+                <a16:creationId xmlns:a16="http://schemas.microsoft.com/office/drawing/2014/main" id="{1DDBAA5B-4CE2-AD75-20C3-F9EF3D7CBAE4}"/>
               </a:ext>
             </a:extLst>
           </p:cNvPr>
@@ -252,7 +252,7 @@
           <a:bodyPr/>
           <a:lstStyle/>
           <a:p>
-            <a:fld id="{B49C0AFC-9426-49FC-8D07-6F215596938C}" type="datetimeFigureOut">
+            <a:fld id="{EF43B790-BCE2-4698-B383-69BD48FC4FD8}" type="datetimeFigureOut">
               <a:rPr lang="zh-CN" altLang="en-US" smtClean="0"/>
               <a:t>2024/3/10</a:t>
             </a:fld>
@@ -265,7 +265,7 @@
           <p:cNvPr id="5" name="页脚占位符 4">
             <a:extLst>
               <a:ext uri="{FF2B5EF4-FFF2-40B4-BE49-F238E27FC236}">
-                <a16:creationId xmlns:a16="http://schemas.microsoft.com/office/drawing/2014/main" id="{0A67C24C-89FA-C5F3-F03B-55D55EBA556B}"/>
+                <a16:creationId xmlns:a16="http://schemas.microsoft.com/office/drawing/2014/main" id="{1137C4C8-4259-08CA-E91E-CBCDC2EB48C3}"/>
               </a:ext>
             </a:extLst>
           </p:cNvPr>
@@ -290,7 +290,7 @@
           <p:cNvPr id="6" name="灯片编号占位符 5">
             <a:extLst>
               <a:ext uri="{FF2B5EF4-FFF2-40B4-BE49-F238E27FC236}">
-                <a16:creationId xmlns:a16="http://schemas.microsoft.com/office/drawing/2014/main" id="{131AD33A-3C8F-79FE-D399-275A6504182D}"/>
+                <a16:creationId xmlns:a16="http://schemas.microsoft.com/office/drawing/2014/main" id="{AD04F343-8808-A07C-9F4D-C2C7B9E0762A}"/>
               </a:ext>
             </a:extLst>
           </p:cNvPr>
@@ -306,7 +306,7 @@
           <a:bodyPr/>
           <a:lstStyle/>
           <a:p>
-            <a:fld id="{A91924B1-A882-4842-9E98-0150A3C483A5}" type="slidenum">
+            <a:fld id="{DFDAD4BF-AD11-4C05-B428-162DD0E548A1}" type="slidenum">
               <a:rPr lang="zh-CN" altLang="en-US" smtClean="0"/>
               <a:t>‹#›</a:t>
             </a:fld>
@@ -317,7 +317,7 @@
     </p:spTree>
     <p:extLst>
       <p:ext uri="{BB962C8B-B14F-4D97-AF65-F5344CB8AC3E}">
-        <p14:creationId xmlns:p14="http://schemas.microsoft.com/office/powerpoint/2010/main" val="3362126659"/>
+        <p14:creationId xmlns:p14="http://schemas.microsoft.com/office/powerpoint/2010/main" val="4197350012"/>
       </p:ext>
     </p:extLst>
   </p:cSld>
@@ -349,7 +349,7 @@
           <p:cNvPr id="2" name="标题 1">
             <a:extLst>
               <a:ext uri="{FF2B5EF4-FFF2-40B4-BE49-F238E27FC236}">
-                <a16:creationId xmlns:a16="http://schemas.microsoft.com/office/drawing/2014/main" id="{91B6C07B-C765-DE80-5F07-0EDB44A07A3C}"/>
+                <a16:creationId xmlns:a16="http://schemas.microsoft.com/office/drawing/2014/main" id="{29231295-05BD-F1EA-D16B-CE51652AE50C}"/>
               </a:ext>
             </a:extLst>
           </p:cNvPr>
@@ -377,7 +377,7 @@
           <p:cNvPr id="3" name="竖排文字占位符 2">
             <a:extLst>
               <a:ext uri="{FF2B5EF4-FFF2-40B4-BE49-F238E27FC236}">
-                <a16:creationId xmlns:a16="http://schemas.microsoft.com/office/drawing/2014/main" id="{2C037B11-B1C1-9451-5837-EE37675A9980}"/>
+                <a16:creationId xmlns:a16="http://schemas.microsoft.com/office/drawing/2014/main" id="{E1ADFF04-78C8-A183-7965-24E6CC061EF1}"/>
               </a:ext>
             </a:extLst>
           </p:cNvPr>
@@ -434,7 +434,7 @@
           <p:cNvPr id="4" name="日期占位符 3">
             <a:extLst>
               <a:ext uri="{FF2B5EF4-FFF2-40B4-BE49-F238E27FC236}">
-                <a16:creationId xmlns:a16="http://schemas.microsoft.com/office/drawing/2014/main" id="{856CA2FD-E035-C6D0-5B7B-0BE6B35DBDC3}"/>
+                <a16:creationId xmlns:a16="http://schemas.microsoft.com/office/drawing/2014/main" id="{22209041-4034-8AA0-90D7-D407E3EDFEE6}"/>
               </a:ext>
             </a:extLst>
           </p:cNvPr>
@@ -450,7 +450,7 @@
           <a:bodyPr/>
           <a:lstStyle/>
           <a:p>
-            <a:fld id="{B49C0AFC-9426-49FC-8D07-6F215596938C}" type="datetimeFigureOut">
+            <a:fld id="{EF43B790-BCE2-4698-B383-69BD48FC4FD8}" type="datetimeFigureOut">
               <a:rPr lang="zh-CN" altLang="en-US" smtClean="0"/>
               <a:t>2024/3/10</a:t>
             </a:fld>
@@ -463,7 +463,7 @@
           <p:cNvPr id="5" name="页脚占位符 4">
             <a:extLst>
               <a:ext uri="{FF2B5EF4-FFF2-40B4-BE49-F238E27FC236}">
-                <a16:creationId xmlns:a16="http://schemas.microsoft.com/office/drawing/2014/main" id="{2394962D-D2AD-025B-F105-B64E7A342427}"/>
+                <a16:creationId xmlns:a16="http://schemas.microsoft.com/office/drawing/2014/main" id="{53748FA9-C243-570D-7D82-B5C8EB5AAFB3}"/>
               </a:ext>
             </a:extLst>
           </p:cNvPr>
@@ -488,7 +488,7 @@
           <p:cNvPr id="6" name="灯片编号占位符 5">
             <a:extLst>
               <a:ext uri="{FF2B5EF4-FFF2-40B4-BE49-F238E27FC236}">
-                <a16:creationId xmlns:a16="http://schemas.microsoft.com/office/drawing/2014/main" id="{1D69DE2C-4112-5FB3-7C3A-CDC58B0A3803}"/>
+                <a16:creationId xmlns:a16="http://schemas.microsoft.com/office/drawing/2014/main" id="{611FC382-CC22-F85C-ABB3-B368E190ED1A}"/>
               </a:ext>
             </a:extLst>
           </p:cNvPr>
@@ -504,7 +504,7 @@
           <a:bodyPr/>
           <a:lstStyle/>
           <a:p>
-            <a:fld id="{A91924B1-A882-4842-9E98-0150A3C483A5}" type="slidenum">
+            <a:fld id="{DFDAD4BF-AD11-4C05-B428-162DD0E548A1}" type="slidenum">
               <a:rPr lang="zh-CN" altLang="en-US" smtClean="0"/>
               <a:t>‹#›</a:t>
             </a:fld>
@@ -515,7 +515,7 @@
     </p:spTree>
     <p:extLst>
       <p:ext uri="{BB962C8B-B14F-4D97-AF65-F5344CB8AC3E}">
-        <p14:creationId xmlns:p14="http://schemas.microsoft.com/office/powerpoint/2010/main" val="1666614560"/>
+        <p14:creationId xmlns:p14="http://schemas.microsoft.com/office/powerpoint/2010/main" val="689140018"/>
       </p:ext>
     </p:extLst>
   </p:cSld>
@@ -547,7 +547,7 @@
           <p:cNvPr id="2" name="竖排标题 1">
             <a:extLst>
               <a:ext uri="{FF2B5EF4-FFF2-40B4-BE49-F238E27FC236}">
-                <a16:creationId xmlns:a16="http://schemas.microsoft.com/office/drawing/2014/main" id="{BFBF05E8-E981-0511-212E-7FBFD7DAF5D7}"/>
+                <a16:creationId xmlns:a16="http://schemas.microsoft.com/office/drawing/2014/main" id="{D77845B8-870A-B5F1-25FE-210FDB69FA0E}"/>
               </a:ext>
             </a:extLst>
           </p:cNvPr>
@@ -580,7 +580,7 @@
           <p:cNvPr id="3" name="竖排文字占位符 2">
             <a:extLst>
               <a:ext uri="{FF2B5EF4-FFF2-40B4-BE49-F238E27FC236}">
-                <a16:creationId xmlns:a16="http://schemas.microsoft.com/office/drawing/2014/main" id="{E1771968-22DD-4EF5-B389-A167B5CBC8D3}"/>
+                <a16:creationId xmlns:a16="http://schemas.microsoft.com/office/drawing/2014/main" id="{49681B1D-7AD7-FB29-9449-03C5E37FC780}"/>
               </a:ext>
             </a:extLst>
           </p:cNvPr>
@@ -642,7 +642,7 @@
           <p:cNvPr id="4" name="日期占位符 3">
             <a:extLst>
               <a:ext uri="{FF2B5EF4-FFF2-40B4-BE49-F238E27FC236}">
-                <a16:creationId xmlns:a16="http://schemas.microsoft.com/office/drawing/2014/main" id="{2F6C63D5-0526-46B9-0E5A-82D19B2D7AB7}"/>
+                <a16:creationId xmlns:a16="http://schemas.microsoft.com/office/drawing/2014/main" id="{2CD9F50E-D8EC-9747-D3E6-A3175B3960D4}"/>
               </a:ext>
             </a:extLst>
           </p:cNvPr>
@@ -658,7 +658,7 @@
           <a:bodyPr/>
           <a:lstStyle/>
           <a:p>
-            <a:fld id="{B49C0AFC-9426-49FC-8D07-6F215596938C}" type="datetimeFigureOut">
+            <a:fld id="{EF43B790-BCE2-4698-B383-69BD48FC4FD8}" type="datetimeFigureOut">
               <a:rPr lang="zh-CN" altLang="en-US" smtClean="0"/>
               <a:t>2024/3/10</a:t>
             </a:fld>
@@ -671,7 +671,7 @@
           <p:cNvPr id="5" name="页脚占位符 4">
             <a:extLst>
               <a:ext uri="{FF2B5EF4-FFF2-40B4-BE49-F238E27FC236}">
-                <a16:creationId xmlns:a16="http://schemas.microsoft.com/office/drawing/2014/main" id="{B15D4E01-1901-7524-AAE1-6AFE637759B7}"/>
+                <a16:creationId xmlns:a16="http://schemas.microsoft.com/office/drawing/2014/main" id="{3ECE192E-3942-7CDA-3B46-30DF4A4FFBAE}"/>
               </a:ext>
             </a:extLst>
           </p:cNvPr>
@@ -696,7 +696,7 @@
           <p:cNvPr id="6" name="灯片编号占位符 5">
             <a:extLst>
               <a:ext uri="{FF2B5EF4-FFF2-40B4-BE49-F238E27FC236}">
-                <a16:creationId xmlns:a16="http://schemas.microsoft.com/office/drawing/2014/main" id="{50BA7932-1ADF-E895-0FE9-7E52A5DD427C}"/>
+                <a16:creationId xmlns:a16="http://schemas.microsoft.com/office/drawing/2014/main" id="{BBD6F7CD-1567-BF9E-708C-884B847485D2}"/>
               </a:ext>
             </a:extLst>
           </p:cNvPr>
@@ -712,7 +712,7 @@
           <a:bodyPr/>
           <a:lstStyle/>
           <a:p>
-            <a:fld id="{A91924B1-A882-4842-9E98-0150A3C483A5}" type="slidenum">
+            <a:fld id="{DFDAD4BF-AD11-4C05-B428-162DD0E548A1}" type="slidenum">
               <a:rPr lang="zh-CN" altLang="en-US" smtClean="0"/>
               <a:t>‹#›</a:t>
             </a:fld>
@@ -723,7 +723,7 @@
     </p:spTree>
     <p:extLst>
       <p:ext uri="{BB962C8B-B14F-4D97-AF65-F5344CB8AC3E}">
-        <p14:creationId xmlns:p14="http://schemas.microsoft.com/office/powerpoint/2010/main" val="762660576"/>
+        <p14:creationId xmlns:p14="http://schemas.microsoft.com/office/powerpoint/2010/main" val="369203613"/>
       </p:ext>
     </p:extLst>
   </p:cSld>
@@ -755,7 +755,7 @@
           <p:cNvPr id="2" name="标题 1">
             <a:extLst>
               <a:ext uri="{FF2B5EF4-FFF2-40B4-BE49-F238E27FC236}">
-                <a16:creationId xmlns:a16="http://schemas.microsoft.com/office/drawing/2014/main" id="{28DB420A-ED82-5FED-1F1C-B419577A1EBF}"/>
+                <a16:creationId xmlns:a16="http://schemas.microsoft.com/office/drawing/2014/main" id="{63A40213-8F36-8720-DB40-FBCCA9C315D7}"/>
               </a:ext>
             </a:extLst>
           </p:cNvPr>
@@ -783,7 +783,7 @@
           <p:cNvPr id="3" name="内容占位符 2">
             <a:extLst>
               <a:ext uri="{FF2B5EF4-FFF2-40B4-BE49-F238E27FC236}">
-                <a16:creationId xmlns:a16="http://schemas.microsoft.com/office/drawing/2014/main" id="{06A6364D-8A3A-934F-8F16-D1088ABC413C}"/>
+                <a16:creationId xmlns:a16="http://schemas.microsoft.com/office/drawing/2014/main" id="{2C45139A-C41E-1334-46A3-890FB82DEC3C}"/>
               </a:ext>
             </a:extLst>
           </p:cNvPr>
@@ -840,7 +840,7 @@
           <p:cNvPr id="4" name="日期占位符 3">
             <a:extLst>
               <a:ext uri="{FF2B5EF4-FFF2-40B4-BE49-F238E27FC236}">
-                <a16:creationId xmlns:a16="http://schemas.microsoft.com/office/drawing/2014/main" id="{DDE34F11-DE94-36DC-B8BB-92824F994344}"/>
+                <a16:creationId xmlns:a16="http://schemas.microsoft.com/office/drawing/2014/main" id="{486A2CE1-C544-A436-7F9B-53ED0E1FBBA0}"/>
               </a:ext>
             </a:extLst>
           </p:cNvPr>
@@ -856,7 +856,7 @@
           <a:bodyPr/>
           <a:lstStyle/>
           <a:p>
-            <a:fld id="{B49C0AFC-9426-49FC-8D07-6F215596938C}" type="datetimeFigureOut">
+            <a:fld id="{EF43B790-BCE2-4698-B383-69BD48FC4FD8}" type="datetimeFigureOut">
               <a:rPr lang="zh-CN" altLang="en-US" smtClean="0"/>
               <a:t>2024/3/10</a:t>
             </a:fld>
@@ -869,7 +869,7 @@
           <p:cNvPr id="5" name="页脚占位符 4">
             <a:extLst>
               <a:ext uri="{FF2B5EF4-FFF2-40B4-BE49-F238E27FC236}">
-                <a16:creationId xmlns:a16="http://schemas.microsoft.com/office/drawing/2014/main" id="{61829B77-6EB5-DF99-A99D-55DC6B606FDF}"/>
+                <a16:creationId xmlns:a16="http://schemas.microsoft.com/office/drawing/2014/main" id="{27B33BEF-411E-BE42-C994-3BDEE66043F4}"/>
               </a:ext>
             </a:extLst>
           </p:cNvPr>
@@ -894,7 +894,7 @@
           <p:cNvPr id="6" name="灯片编号占位符 5">
             <a:extLst>
               <a:ext uri="{FF2B5EF4-FFF2-40B4-BE49-F238E27FC236}">
-                <a16:creationId xmlns:a16="http://schemas.microsoft.com/office/drawing/2014/main" id="{CF05F49E-AB76-42EE-D303-82FFFB1D4197}"/>
+                <a16:creationId xmlns:a16="http://schemas.microsoft.com/office/drawing/2014/main" id="{B4E3F5AB-D197-83CA-DC03-D3DE326315C2}"/>
               </a:ext>
             </a:extLst>
           </p:cNvPr>
@@ -910,7 +910,7 @@
           <a:bodyPr/>
           <a:lstStyle/>
           <a:p>
-            <a:fld id="{A91924B1-A882-4842-9E98-0150A3C483A5}" type="slidenum">
+            <a:fld id="{DFDAD4BF-AD11-4C05-B428-162DD0E548A1}" type="slidenum">
               <a:rPr lang="zh-CN" altLang="en-US" smtClean="0"/>
               <a:t>‹#›</a:t>
             </a:fld>
@@ -921,7 +921,7 @@
     </p:spTree>
     <p:extLst>
       <p:ext uri="{BB962C8B-B14F-4D97-AF65-F5344CB8AC3E}">
-        <p14:creationId xmlns:p14="http://schemas.microsoft.com/office/powerpoint/2010/main" val="1054915870"/>
+        <p14:creationId xmlns:p14="http://schemas.microsoft.com/office/powerpoint/2010/main" val="2781174123"/>
       </p:ext>
     </p:extLst>
   </p:cSld>
@@ -953,7 +953,7 @@
           <p:cNvPr id="2" name="标题 1">
             <a:extLst>
               <a:ext uri="{FF2B5EF4-FFF2-40B4-BE49-F238E27FC236}">
-                <a16:creationId xmlns:a16="http://schemas.microsoft.com/office/drawing/2014/main" id="{AE07CB80-E387-C522-67C2-0D426C511654}"/>
+                <a16:creationId xmlns:a16="http://schemas.microsoft.com/office/drawing/2014/main" id="{6F369EFA-3D9A-A763-D951-B353B52440BF}"/>
               </a:ext>
             </a:extLst>
           </p:cNvPr>
@@ -990,7 +990,7 @@
           <p:cNvPr id="3" name="文本占位符 2">
             <a:extLst>
               <a:ext uri="{FF2B5EF4-FFF2-40B4-BE49-F238E27FC236}">
-                <a16:creationId xmlns:a16="http://schemas.microsoft.com/office/drawing/2014/main" id="{B8D8F019-5DB6-A325-9766-69F5C6FE3DF9}"/>
+                <a16:creationId xmlns:a16="http://schemas.microsoft.com/office/drawing/2014/main" id="{4B1E00E8-3335-01A2-77F1-BE74D53641C1}"/>
               </a:ext>
             </a:extLst>
           </p:cNvPr>
@@ -1115,7 +1115,7 @@
           <p:cNvPr id="4" name="日期占位符 3">
             <a:extLst>
               <a:ext uri="{FF2B5EF4-FFF2-40B4-BE49-F238E27FC236}">
-                <a16:creationId xmlns:a16="http://schemas.microsoft.com/office/drawing/2014/main" id="{FA3BFFAE-C1A5-744A-271D-060195281888}"/>
+                <a16:creationId xmlns:a16="http://schemas.microsoft.com/office/drawing/2014/main" id="{D11D0573-091F-F562-13B2-CFA47A7EE942}"/>
               </a:ext>
             </a:extLst>
           </p:cNvPr>
@@ -1131,7 +1131,7 @@
           <a:bodyPr/>
           <a:lstStyle/>
           <a:p>
-            <a:fld id="{B49C0AFC-9426-49FC-8D07-6F215596938C}" type="datetimeFigureOut">
+            <a:fld id="{EF43B790-BCE2-4698-B383-69BD48FC4FD8}" type="datetimeFigureOut">
               <a:rPr lang="zh-CN" altLang="en-US" smtClean="0"/>
               <a:t>2024/3/10</a:t>
             </a:fld>
@@ -1144,7 +1144,7 @@
           <p:cNvPr id="5" name="页脚占位符 4">
             <a:extLst>
               <a:ext uri="{FF2B5EF4-FFF2-40B4-BE49-F238E27FC236}">
-                <a16:creationId xmlns:a16="http://schemas.microsoft.com/office/drawing/2014/main" id="{953BEBE8-D5D8-92E1-18BF-F71AB729656F}"/>
+                <a16:creationId xmlns:a16="http://schemas.microsoft.com/office/drawing/2014/main" id="{B2A4104F-57A7-FE38-ED40-32029311053E}"/>
               </a:ext>
             </a:extLst>
           </p:cNvPr>
@@ -1169,7 +1169,7 @@
           <p:cNvPr id="6" name="灯片编号占位符 5">
             <a:extLst>
               <a:ext uri="{FF2B5EF4-FFF2-40B4-BE49-F238E27FC236}">
-                <a16:creationId xmlns:a16="http://schemas.microsoft.com/office/drawing/2014/main" id="{B30ADDA2-9861-4F50-30EB-9CD30A3E5ABE}"/>
+                <a16:creationId xmlns:a16="http://schemas.microsoft.com/office/drawing/2014/main" id="{8D4E164F-08AF-EBAF-7A25-F5AB4C4B1AE0}"/>
               </a:ext>
             </a:extLst>
           </p:cNvPr>
@@ -1185,7 +1185,7 @@
           <a:bodyPr/>
           <a:lstStyle/>
           <a:p>
-            <a:fld id="{A91924B1-A882-4842-9E98-0150A3C483A5}" type="slidenum">
+            <a:fld id="{DFDAD4BF-AD11-4C05-B428-162DD0E548A1}" type="slidenum">
               <a:rPr lang="zh-CN" altLang="en-US" smtClean="0"/>
               <a:t>‹#›</a:t>
             </a:fld>
@@ -1196,7 +1196,7 @@
     </p:spTree>
     <p:extLst>
       <p:ext uri="{BB962C8B-B14F-4D97-AF65-F5344CB8AC3E}">
-        <p14:creationId xmlns:p14="http://schemas.microsoft.com/office/powerpoint/2010/main" val="3705262723"/>
+        <p14:creationId xmlns:p14="http://schemas.microsoft.com/office/powerpoint/2010/main" val="2821885053"/>
       </p:ext>
     </p:extLst>
   </p:cSld>
@@ -1228,7 +1228,7 @@
           <p:cNvPr id="2" name="标题 1">
             <a:extLst>
               <a:ext uri="{FF2B5EF4-FFF2-40B4-BE49-F238E27FC236}">
-                <a16:creationId xmlns:a16="http://schemas.microsoft.com/office/drawing/2014/main" id="{4AB0C617-16C4-4678-A5F0-1B698895EC74}"/>
+                <a16:creationId xmlns:a16="http://schemas.microsoft.com/office/drawing/2014/main" id="{D65EC478-D2B6-E4D6-9C29-ACE965C574E7}"/>
               </a:ext>
             </a:extLst>
           </p:cNvPr>
@@ -1256,7 +1256,7 @@
           <p:cNvPr id="3" name="内容占位符 2">
             <a:extLst>
               <a:ext uri="{FF2B5EF4-FFF2-40B4-BE49-F238E27FC236}">
-                <a16:creationId xmlns:a16="http://schemas.microsoft.com/office/drawing/2014/main" id="{C60509D5-990D-9297-F411-D17305153502}"/>
+                <a16:creationId xmlns:a16="http://schemas.microsoft.com/office/drawing/2014/main" id="{8F11F2BE-EAAD-D6FE-93C9-79FAAED40E10}"/>
               </a:ext>
             </a:extLst>
           </p:cNvPr>
@@ -1318,7 +1318,7 @@
           <p:cNvPr id="4" name="内容占位符 3">
             <a:extLst>
               <a:ext uri="{FF2B5EF4-FFF2-40B4-BE49-F238E27FC236}">
-                <a16:creationId xmlns:a16="http://schemas.microsoft.com/office/drawing/2014/main" id="{538E7D05-6D15-C2D9-C7CA-FD814D3ABCD7}"/>
+                <a16:creationId xmlns:a16="http://schemas.microsoft.com/office/drawing/2014/main" id="{DC165E5F-13ED-143B-8FB5-539A9B7229E4}"/>
               </a:ext>
             </a:extLst>
           </p:cNvPr>
@@ -1380,7 +1380,7 @@
           <p:cNvPr id="5" name="日期占位符 4">
             <a:extLst>
               <a:ext uri="{FF2B5EF4-FFF2-40B4-BE49-F238E27FC236}">
-                <a16:creationId xmlns:a16="http://schemas.microsoft.com/office/drawing/2014/main" id="{961A55A0-5C79-84A4-643A-93886FD88E6D}"/>
+                <a16:creationId xmlns:a16="http://schemas.microsoft.com/office/drawing/2014/main" id="{C3E6479B-5665-4102-FAF2-E1F4EBF3DFA4}"/>
               </a:ext>
             </a:extLst>
           </p:cNvPr>
@@ -1396,7 +1396,7 @@
           <a:bodyPr/>
           <a:lstStyle/>
           <a:p>
-            <a:fld id="{B49C0AFC-9426-49FC-8D07-6F215596938C}" type="datetimeFigureOut">
+            <a:fld id="{EF43B790-BCE2-4698-B383-69BD48FC4FD8}" type="datetimeFigureOut">
               <a:rPr lang="zh-CN" altLang="en-US" smtClean="0"/>
               <a:t>2024/3/10</a:t>
             </a:fld>
@@ -1409,7 +1409,7 @@
           <p:cNvPr id="6" name="页脚占位符 5">
             <a:extLst>
               <a:ext uri="{FF2B5EF4-FFF2-40B4-BE49-F238E27FC236}">
-                <a16:creationId xmlns:a16="http://schemas.microsoft.com/office/drawing/2014/main" id="{58AAE99A-31DC-9352-CB8A-55BED5E313DC}"/>
+                <a16:creationId xmlns:a16="http://schemas.microsoft.com/office/drawing/2014/main" id="{3C1B9E8E-9C4F-97DD-C49C-FA99E85F2BC0}"/>
               </a:ext>
             </a:extLst>
           </p:cNvPr>
@@ -1434,7 +1434,7 @@
           <p:cNvPr id="7" name="灯片编号占位符 6">
             <a:extLst>
               <a:ext uri="{FF2B5EF4-FFF2-40B4-BE49-F238E27FC236}">
-                <a16:creationId xmlns:a16="http://schemas.microsoft.com/office/drawing/2014/main" id="{42A4D2A3-DF2C-7099-3C06-44D862FDAE35}"/>
+                <a16:creationId xmlns:a16="http://schemas.microsoft.com/office/drawing/2014/main" id="{FA382CF9-DE2F-F3BD-8C80-77482E05CCB6}"/>
               </a:ext>
             </a:extLst>
           </p:cNvPr>
@@ -1450,7 +1450,7 @@
           <a:bodyPr/>
           <a:lstStyle/>
           <a:p>
-            <a:fld id="{A91924B1-A882-4842-9E98-0150A3C483A5}" type="slidenum">
+            <a:fld id="{DFDAD4BF-AD11-4C05-B428-162DD0E548A1}" type="slidenum">
               <a:rPr lang="zh-CN" altLang="en-US" smtClean="0"/>
               <a:t>‹#›</a:t>
             </a:fld>
@@ -1461,7 +1461,7 @@
     </p:spTree>
     <p:extLst>
       <p:ext uri="{BB962C8B-B14F-4D97-AF65-F5344CB8AC3E}">
-        <p14:creationId xmlns:p14="http://schemas.microsoft.com/office/powerpoint/2010/main" val="424381151"/>
+        <p14:creationId xmlns:p14="http://schemas.microsoft.com/office/powerpoint/2010/main" val="1489427039"/>
       </p:ext>
     </p:extLst>
   </p:cSld>
@@ -1493,7 +1493,7 @@
           <p:cNvPr id="2" name="标题 1">
             <a:extLst>
               <a:ext uri="{FF2B5EF4-FFF2-40B4-BE49-F238E27FC236}">
-                <a16:creationId xmlns:a16="http://schemas.microsoft.com/office/drawing/2014/main" id="{7D4BCA78-31A8-A0DB-1312-83A3A02480FB}"/>
+                <a16:creationId xmlns:a16="http://schemas.microsoft.com/office/drawing/2014/main" id="{839C9E93-C35E-A346-7CA4-CC466EC7323C}"/>
               </a:ext>
             </a:extLst>
           </p:cNvPr>
@@ -1526,7 +1526,7 @@
           <p:cNvPr id="3" name="文本占位符 2">
             <a:extLst>
               <a:ext uri="{FF2B5EF4-FFF2-40B4-BE49-F238E27FC236}">
-                <a16:creationId xmlns:a16="http://schemas.microsoft.com/office/drawing/2014/main" id="{A7C76D96-6837-768B-FB2F-524309F9F041}"/>
+                <a16:creationId xmlns:a16="http://schemas.microsoft.com/office/drawing/2014/main" id="{9A77FD09-C6DC-35BC-4F78-A746BD9E3CD5}"/>
               </a:ext>
             </a:extLst>
           </p:cNvPr>
@@ -1597,7 +1597,7 @@
           <p:cNvPr id="4" name="内容占位符 3">
             <a:extLst>
               <a:ext uri="{FF2B5EF4-FFF2-40B4-BE49-F238E27FC236}">
-                <a16:creationId xmlns:a16="http://schemas.microsoft.com/office/drawing/2014/main" id="{01D162CE-995A-2E14-B3DA-80FD4FA65708}"/>
+                <a16:creationId xmlns:a16="http://schemas.microsoft.com/office/drawing/2014/main" id="{66C95B2C-3F31-6453-C0ED-D14002AC204E}"/>
               </a:ext>
             </a:extLst>
           </p:cNvPr>
@@ -1659,7 +1659,7 @@
           <p:cNvPr id="5" name="文本占位符 4">
             <a:extLst>
               <a:ext uri="{FF2B5EF4-FFF2-40B4-BE49-F238E27FC236}">
-                <a16:creationId xmlns:a16="http://schemas.microsoft.com/office/drawing/2014/main" id="{8A6D62BB-57CF-F758-D40C-7853CE8D9C3F}"/>
+                <a16:creationId xmlns:a16="http://schemas.microsoft.com/office/drawing/2014/main" id="{2DB18E48-D8BD-75A6-8A1A-C7176CD5C2EE}"/>
               </a:ext>
             </a:extLst>
           </p:cNvPr>
@@ -1730,7 +1730,7 @@
           <p:cNvPr id="6" name="内容占位符 5">
             <a:extLst>
               <a:ext uri="{FF2B5EF4-FFF2-40B4-BE49-F238E27FC236}">
-                <a16:creationId xmlns:a16="http://schemas.microsoft.com/office/drawing/2014/main" id="{EB9C5EAD-07AC-166C-7617-9A0E31D32FA2}"/>
+                <a16:creationId xmlns:a16="http://schemas.microsoft.com/office/drawing/2014/main" id="{7442E52D-FD37-4DDF-94F5-E80F90858BBC}"/>
               </a:ext>
             </a:extLst>
           </p:cNvPr>
@@ -1792,7 +1792,7 @@
           <p:cNvPr id="7" name="日期占位符 6">
             <a:extLst>
               <a:ext uri="{FF2B5EF4-FFF2-40B4-BE49-F238E27FC236}">
-                <a16:creationId xmlns:a16="http://schemas.microsoft.com/office/drawing/2014/main" id="{0E96AE93-19C5-5E7A-D846-84EF61E5CA40}"/>
+                <a16:creationId xmlns:a16="http://schemas.microsoft.com/office/drawing/2014/main" id="{40B8FE26-CFF4-0B64-3CA7-109A6BF5D299}"/>
               </a:ext>
             </a:extLst>
           </p:cNvPr>
@@ -1808,7 +1808,7 @@
           <a:bodyPr/>
           <a:lstStyle/>
           <a:p>
-            <a:fld id="{B49C0AFC-9426-49FC-8D07-6F215596938C}" type="datetimeFigureOut">
+            <a:fld id="{EF43B790-BCE2-4698-B383-69BD48FC4FD8}" type="datetimeFigureOut">
               <a:rPr lang="zh-CN" altLang="en-US" smtClean="0"/>
               <a:t>2024/3/10</a:t>
             </a:fld>
@@ -1821,7 +1821,7 @@
           <p:cNvPr id="8" name="页脚占位符 7">
             <a:extLst>
               <a:ext uri="{FF2B5EF4-FFF2-40B4-BE49-F238E27FC236}">
-                <a16:creationId xmlns:a16="http://schemas.microsoft.com/office/drawing/2014/main" id="{2F39B57E-200A-99D2-443D-6D91590F1715}"/>
+                <a16:creationId xmlns:a16="http://schemas.microsoft.com/office/drawing/2014/main" id="{613CE7B7-98E1-0FBB-ADF5-43C3C80DE42B}"/>
               </a:ext>
             </a:extLst>
           </p:cNvPr>
@@ -1846,7 +1846,7 @@
           <p:cNvPr id="9" name="灯片编号占位符 8">
             <a:extLst>
               <a:ext uri="{FF2B5EF4-FFF2-40B4-BE49-F238E27FC236}">
-                <a16:creationId xmlns:a16="http://schemas.microsoft.com/office/drawing/2014/main" id="{9E0476CF-1649-8174-8119-D3DB07401468}"/>
+                <a16:creationId xmlns:a16="http://schemas.microsoft.com/office/drawing/2014/main" id="{026F2C90-4B28-7A23-4D06-38E361E350C7}"/>
               </a:ext>
             </a:extLst>
           </p:cNvPr>
@@ -1862,7 +1862,7 @@
           <a:bodyPr/>
           <a:lstStyle/>
           <a:p>
-            <a:fld id="{A91924B1-A882-4842-9E98-0150A3C483A5}" type="slidenum">
+            <a:fld id="{DFDAD4BF-AD11-4C05-B428-162DD0E548A1}" type="slidenum">
               <a:rPr lang="zh-CN" altLang="en-US" smtClean="0"/>
               <a:t>‹#›</a:t>
             </a:fld>
@@ -1873,7 +1873,7 @@
     </p:spTree>
     <p:extLst>
       <p:ext uri="{BB962C8B-B14F-4D97-AF65-F5344CB8AC3E}">
-        <p14:creationId xmlns:p14="http://schemas.microsoft.com/office/powerpoint/2010/main" val="3471434595"/>
+        <p14:creationId xmlns:p14="http://schemas.microsoft.com/office/powerpoint/2010/main" val="1793386777"/>
       </p:ext>
     </p:extLst>
   </p:cSld>
@@ -1905,7 +1905,7 @@
           <p:cNvPr id="2" name="标题 1">
             <a:extLst>
               <a:ext uri="{FF2B5EF4-FFF2-40B4-BE49-F238E27FC236}">
-                <a16:creationId xmlns:a16="http://schemas.microsoft.com/office/drawing/2014/main" id="{EC8444D4-1E1B-519D-B081-9EF925023D74}"/>
+                <a16:creationId xmlns:a16="http://schemas.microsoft.com/office/drawing/2014/main" id="{37DC85DC-85F8-43BB-E3B2-925A4CEAF98A}"/>
               </a:ext>
             </a:extLst>
           </p:cNvPr>
@@ -1933,7 +1933,7 @@
           <p:cNvPr id="3" name="日期占位符 2">
             <a:extLst>
               <a:ext uri="{FF2B5EF4-FFF2-40B4-BE49-F238E27FC236}">
-                <a16:creationId xmlns:a16="http://schemas.microsoft.com/office/drawing/2014/main" id="{F58CF7F0-1F9D-C775-0DCD-C2D414BEB2A9}"/>
+                <a16:creationId xmlns:a16="http://schemas.microsoft.com/office/drawing/2014/main" id="{E6DB19BC-BFBA-0D39-EF86-F5ED6A0BFFBB}"/>
               </a:ext>
             </a:extLst>
           </p:cNvPr>
@@ -1949,7 +1949,7 @@
           <a:bodyPr/>
           <a:lstStyle/>
           <a:p>
-            <a:fld id="{B49C0AFC-9426-49FC-8D07-6F215596938C}" type="datetimeFigureOut">
+            <a:fld id="{EF43B790-BCE2-4698-B383-69BD48FC4FD8}" type="datetimeFigureOut">
               <a:rPr lang="zh-CN" altLang="en-US" smtClean="0"/>
               <a:t>2024/3/10</a:t>
             </a:fld>
@@ -1962,7 +1962,7 @@
           <p:cNvPr id="4" name="页脚占位符 3">
             <a:extLst>
               <a:ext uri="{FF2B5EF4-FFF2-40B4-BE49-F238E27FC236}">
-                <a16:creationId xmlns:a16="http://schemas.microsoft.com/office/drawing/2014/main" id="{0F84A8A6-935C-4CD4-3317-DAE82D7EEECC}"/>
+                <a16:creationId xmlns:a16="http://schemas.microsoft.com/office/drawing/2014/main" id="{F5BF6717-601D-02A3-9E29-40D4A25FD184}"/>
               </a:ext>
             </a:extLst>
           </p:cNvPr>
@@ -1987,7 +1987,7 @@
           <p:cNvPr id="5" name="灯片编号占位符 4">
             <a:extLst>
               <a:ext uri="{FF2B5EF4-FFF2-40B4-BE49-F238E27FC236}">
-                <a16:creationId xmlns:a16="http://schemas.microsoft.com/office/drawing/2014/main" id="{DCA6B998-C774-F41D-C1D8-E387F09BD635}"/>
+                <a16:creationId xmlns:a16="http://schemas.microsoft.com/office/drawing/2014/main" id="{452CBF9E-7496-55DE-BE33-8A36DC86C018}"/>
               </a:ext>
             </a:extLst>
           </p:cNvPr>
@@ -2003,7 +2003,7 @@
           <a:bodyPr/>
           <a:lstStyle/>
           <a:p>
-            <a:fld id="{A91924B1-A882-4842-9E98-0150A3C483A5}" type="slidenum">
+            <a:fld id="{DFDAD4BF-AD11-4C05-B428-162DD0E548A1}" type="slidenum">
               <a:rPr lang="zh-CN" altLang="en-US" smtClean="0"/>
               <a:t>‹#›</a:t>
             </a:fld>
@@ -2014,7 +2014,7 @@
     </p:spTree>
     <p:extLst>
       <p:ext uri="{BB962C8B-B14F-4D97-AF65-F5344CB8AC3E}">
-        <p14:creationId xmlns:p14="http://schemas.microsoft.com/office/powerpoint/2010/main" val="2922007298"/>
+        <p14:creationId xmlns:p14="http://schemas.microsoft.com/office/powerpoint/2010/main" val="1038458103"/>
       </p:ext>
     </p:extLst>
   </p:cSld>
@@ -2046,7 +2046,7 @@
           <p:cNvPr id="2" name="日期占位符 1">
             <a:extLst>
               <a:ext uri="{FF2B5EF4-FFF2-40B4-BE49-F238E27FC236}">
-                <a16:creationId xmlns:a16="http://schemas.microsoft.com/office/drawing/2014/main" id="{0F6B934A-029A-896D-6E33-B83D13F24FD4}"/>
+                <a16:creationId xmlns:a16="http://schemas.microsoft.com/office/drawing/2014/main" id="{4239B306-E56B-7BFF-C621-239A66B0FB85}"/>
               </a:ext>
             </a:extLst>
           </p:cNvPr>
@@ -2062,7 +2062,7 @@
           <a:bodyPr/>
           <a:lstStyle/>
           <a:p>
-            <a:fld id="{B49C0AFC-9426-49FC-8D07-6F215596938C}" type="datetimeFigureOut">
+            <a:fld id="{EF43B790-BCE2-4698-B383-69BD48FC4FD8}" type="datetimeFigureOut">
               <a:rPr lang="zh-CN" altLang="en-US" smtClean="0"/>
               <a:t>2024/3/10</a:t>
             </a:fld>
@@ -2075,7 +2075,7 @@
           <p:cNvPr id="3" name="页脚占位符 2">
             <a:extLst>
               <a:ext uri="{FF2B5EF4-FFF2-40B4-BE49-F238E27FC236}">
-                <a16:creationId xmlns:a16="http://schemas.microsoft.com/office/drawing/2014/main" id="{EB598170-9541-A152-FC49-054080E3F1E7}"/>
+                <a16:creationId xmlns:a16="http://schemas.microsoft.com/office/drawing/2014/main" id="{17A0C6C1-606E-439B-179F-939CEFF77056}"/>
               </a:ext>
             </a:extLst>
           </p:cNvPr>
@@ -2100,7 +2100,7 @@
           <p:cNvPr id="4" name="灯片编号占位符 3">
             <a:extLst>
               <a:ext uri="{FF2B5EF4-FFF2-40B4-BE49-F238E27FC236}">
-                <a16:creationId xmlns:a16="http://schemas.microsoft.com/office/drawing/2014/main" id="{CB72943C-1E0C-4E9A-239D-79C5C39C48A3}"/>
+                <a16:creationId xmlns:a16="http://schemas.microsoft.com/office/drawing/2014/main" id="{72CCAE1D-0CF2-B427-C842-9D23C97793BA}"/>
               </a:ext>
             </a:extLst>
           </p:cNvPr>
@@ -2116,7 +2116,7 @@
           <a:bodyPr/>
           <a:lstStyle/>
           <a:p>
-            <a:fld id="{A91924B1-A882-4842-9E98-0150A3C483A5}" type="slidenum">
+            <a:fld id="{DFDAD4BF-AD11-4C05-B428-162DD0E548A1}" type="slidenum">
               <a:rPr lang="zh-CN" altLang="en-US" smtClean="0"/>
               <a:t>‹#›</a:t>
             </a:fld>
@@ -2127,7 +2127,7 @@
     </p:spTree>
     <p:extLst>
       <p:ext uri="{BB962C8B-B14F-4D97-AF65-F5344CB8AC3E}">
-        <p14:creationId xmlns:p14="http://schemas.microsoft.com/office/powerpoint/2010/main" val="4200583073"/>
+        <p14:creationId xmlns:p14="http://schemas.microsoft.com/office/powerpoint/2010/main" val="1390817538"/>
       </p:ext>
     </p:extLst>
   </p:cSld>
@@ -2159,7 +2159,7 @@
           <p:cNvPr id="2" name="标题 1">
             <a:extLst>
               <a:ext uri="{FF2B5EF4-FFF2-40B4-BE49-F238E27FC236}">
-                <a16:creationId xmlns:a16="http://schemas.microsoft.com/office/drawing/2014/main" id="{81CA2177-E303-4260-A520-CB64E5835380}"/>
+                <a16:creationId xmlns:a16="http://schemas.microsoft.com/office/drawing/2014/main" id="{84C894D8-2B05-B96E-E31C-517E577CFCF8}"/>
               </a:ext>
             </a:extLst>
           </p:cNvPr>
@@ -2196,7 +2196,7 @@
           <p:cNvPr id="3" name="内容占位符 2">
             <a:extLst>
               <a:ext uri="{FF2B5EF4-FFF2-40B4-BE49-F238E27FC236}">
-                <a16:creationId xmlns:a16="http://schemas.microsoft.com/office/drawing/2014/main" id="{935BBB2C-4F3F-D011-C7EF-7F0C74026E7C}"/>
+                <a16:creationId xmlns:a16="http://schemas.microsoft.com/office/drawing/2014/main" id="{992D8202-FBAF-A6E2-8646-2AA4EE874F66}"/>
               </a:ext>
             </a:extLst>
           </p:cNvPr>
@@ -2286,7 +2286,7 @@
           <p:cNvPr id="4" name="文本占位符 3">
             <a:extLst>
               <a:ext uri="{FF2B5EF4-FFF2-40B4-BE49-F238E27FC236}">
-                <a16:creationId xmlns:a16="http://schemas.microsoft.com/office/drawing/2014/main" id="{1B0260A1-7D21-B773-2B85-B0EC42CF0A9B}"/>
+                <a16:creationId xmlns:a16="http://schemas.microsoft.com/office/drawing/2014/main" id="{5CB5AA11-73C6-632C-BC23-198BA151ED2C}"/>
               </a:ext>
             </a:extLst>
           </p:cNvPr>
@@ -2357,7 +2357,7 @@
           <p:cNvPr id="5" name="日期占位符 4">
             <a:extLst>
               <a:ext uri="{FF2B5EF4-FFF2-40B4-BE49-F238E27FC236}">
-                <a16:creationId xmlns:a16="http://schemas.microsoft.com/office/drawing/2014/main" id="{ECD06D62-B9BE-00AF-89C1-4000479F9272}"/>
+                <a16:creationId xmlns:a16="http://schemas.microsoft.com/office/drawing/2014/main" id="{B5F103AE-760D-E02B-292B-FE593FC37277}"/>
               </a:ext>
             </a:extLst>
           </p:cNvPr>
@@ -2373,7 +2373,7 @@
           <a:bodyPr/>
           <a:lstStyle/>
           <a:p>
-            <a:fld id="{B49C0AFC-9426-49FC-8D07-6F215596938C}" type="datetimeFigureOut">
+            <a:fld id="{EF43B790-BCE2-4698-B383-69BD48FC4FD8}" type="datetimeFigureOut">
               <a:rPr lang="zh-CN" altLang="en-US" smtClean="0"/>
               <a:t>2024/3/10</a:t>
             </a:fld>
@@ -2386,7 +2386,7 @@
           <p:cNvPr id="6" name="页脚占位符 5">
             <a:extLst>
               <a:ext uri="{FF2B5EF4-FFF2-40B4-BE49-F238E27FC236}">
-                <a16:creationId xmlns:a16="http://schemas.microsoft.com/office/drawing/2014/main" id="{7B148240-EE74-8D66-7AB4-3A315CDEE56D}"/>
+                <a16:creationId xmlns:a16="http://schemas.microsoft.com/office/drawing/2014/main" id="{E1AA412D-34AA-F51D-92EE-8C682859C8F3}"/>
               </a:ext>
             </a:extLst>
           </p:cNvPr>
@@ -2411,7 +2411,7 @@
           <p:cNvPr id="7" name="灯片编号占位符 6">
             <a:extLst>
               <a:ext uri="{FF2B5EF4-FFF2-40B4-BE49-F238E27FC236}">
-                <a16:creationId xmlns:a16="http://schemas.microsoft.com/office/drawing/2014/main" id="{26025370-D3F8-3323-DA82-9ACBC0E1411B}"/>
+                <a16:creationId xmlns:a16="http://schemas.microsoft.com/office/drawing/2014/main" id="{BF7DE506-ED81-2D7D-6E04-FB7929B641F5}"/>
               </a:ext>
             </a:extLst>
           </p:cNvPr>
@@ -2427,7 +2427,7 @@
           <a:bodyPr/>
           <a:lstStyle/>
           <a:p>
-            <a:fld id="{A91924B1-A882-4842-9E98-0150A3C483A5}" type="slidenum">
+            <a:fld id="{DFDAD4BF-AD11-4C05-B428-162DD0E548A1}" type="slidenum">
               <a:rPr lang="zh-CN" altLang="en-US" smtClean="0"/>
               <a:t>‹#›</a:t>
             </a:fld>
@@ -2438,7 +2438,7 @@
     </p:spTree>
     <p:extLst>
       <p:ext uri="{BB962C8B-B14F-4D97-AF65-F5344CB8AC3E}">
-        <p14:creationId xmlns:p14="http://schemas.microsoft.com/office/powerpoint/2010/main" val="2666428514"/>
+        <p14:creationId xmlns:p14="http://schemas.microsoft.com/office/powerpoint/2010/main" val="1249111687"/>
       </p:ext>
     </p:extLst>
   </p:cSld>
@@ -2470,7 +2470,7 @@
           <p:cNvPr id="2" name="标题 1">
             <a:extLst>
               <a:ext uri="{FF2B5EF4-FFF2-40B4-BE49-F238E27FC236}">
-                <a16:creationId xmlns:a16="http://schemas.microsoft.com/office/drawing/2014/main" id="{3C1147D4-608F-A5F9-3C26-B84C2DB7D0C5}"/>
+                <a16:creationId xmlns:a16="http://schemas.microsoft.com/office/drawing/2014/main" id="{BF1F1E9D-B675-A407-6197-5F8D02DFBB96}"/>
               </a:ext>
             </a:extLst>
           </p:cNvPr>
@@ -2507,7 +2507,7 @@
           <p:cNvPr id="3" name="图片占位符 2">
             <a:extLst>
               <a:ext uri="{FF2B5EF4-FFF2-40B4-BE49-F238E27FC236}">
-                <a16:creationId xmlns:a16="http://schemas.microsoft.com/office/drawing/2014/main" id="{F957DD62-0FC6-A22C-530C-9D68B6432FCD}"/>
+                <a16:creationId xmlns:a16="http://schemas.microsoft.com/office/drawing/2014/main" id="{4FA528A3-1426-B896-FE87-CA116CA9B98C}"/>
               </a:ext>
             </a:extLst>
           </p:cNvPr>
@@ -2574,7 +2574,7 @@
           <p:cNvPr id="4" name="文本占位符 3">
             <a:extLst>
               <a:ext uri="{FF2B5EF4-FFF2-40B4-BE49-F238E27FC236}">
-                <a16:creationId xmlns:a16="http://schemas.microsoft.com/office/drawing/2014/main" id="{5AE64E04-085C-B52B-B876-E3238667C0D5}"/>
+                <a16:creationId xmlns:a16="http://schemas.microsoft.com/office/drawing/2014/main" id="{70DC0299-A7C8-F2E4-12BF-913E3EBDD50E}"/>
               </a:ext>
             </a:extLst>
           </p:cNvPr>
@@ -2645,7 +2645,7 @@
           <p:cNvPr id="5" name="日期占位符 4">
             <a:extLst>
               <a:ext uri="{FF2B5EF4-FFF2-40B4-BE49-F238E27FC236}">
-                <a16:creationId xmlns:a16="http://schemas.microsoft.com/office/drawing/2014/main" id="{617FF653-56C3-9354-B358-83EDBE1E7233}"/>
+                <a16:creationId xmlns:a16="http://schemas.microsoft.com/office/drawing/2014/main" id="{6EAC6A75-1B7E-DB4D-3712-4A1412F71AB2}"/>
               </a:ext>
             </a:extLst>
           </p:cNvPr>
@@ -2661,7 +2661,7 @@
           <a:bodyPr/>
           <a:lstStyle/>
           <a:p>
-            <a:fld id="{B49C0AFC-9426-49FC-8D07-6F215596938C}" type="datetimeFigureOut">
+            <a:fld id="{EF43B790-BCE2-4698-B383-69BD48FC4FD8}" type="datetimeFigureOut">
               <a:rPr lang="zh-CN" altLang="en-US" smtClean="0"/>
               <a:t>2024/3/10</a:t>
             </a:fld>
@@ -2674,7 +2674,7 @@
           <p:cNvPr id="6" name="页脚占位符 5">
             <a:extLst>
               <a:ext uri="{FF2B5EF4-FFF2-40B4-BE49-F238E27FC236}">
-                <a16:creationId xmlns:a16="http://schemas.microsoft.com/office/drawing/2014/main" id="{7950E7C5-35D1-2BFE-10F9-9D19E062EFF1}"/>
+                <a16:creationId xmlns:a16="http://schemas.microsoft.com/office/drawing/2014/main" id="{20CEC7C6-8DD7-E4F6-2A80-8408BC47FF3C}"/>
               </a:ext>
             </a:extLst>
           </p:cNvPr>
@@ -2699,7 +2699,7 @@
           <p:cNvPr id="7" name="灯片编号占位符 6">
             <a:extLst>
               <a:ext uri="{FF2B5EF4-FFF2-40B4-BE49-F238E27FC236}">
-                <a16:creationId xmlns:a16="http://schemas.microsoft.com/office/drawing/2014/main" id="{D6230E39-9DD3-11FC-3D0E-1FB428F8A879}"/>
+                <a16:creationId xmlns:a16="http://schemas.microsoft.com/office/drawing/2014/main" id="{5D4BB56C-ECFF-1746-4747-FE200239C1E6}"/>
               </a:ext>
             </a:extLst>
           </p:cNvPr>
@@ -2715,7 +2715,7 @@
           <a:bodyPr/>
           <a:lstStyle/>
           <a:p>
-            <a:fld id="{A91924B1-A882-4842-9E98-0150A3C483A5}" type="slidenum">
+            <a:fld id="{DFDAD4BF-AD11-4C05-B428-162DD0E548A1}" type="slidenum">
               <a:rPr lang="zh-CN" altLang="en-US" smtClean="0"/>
               <a:t>‹#›</a:t>
             </a:fld>
@@ -2726,7 +2726,7 @@
     </p:spTree>
     <p:extLst>
       <p:ext uri="{BB962C8B-B14F-4D97-AF65-F5344CB8AC3E}">
-        <p14:creationId xmlns:p14="http://schemas.microsoft.com/office/powerpoint/2010/main" val="2068041694"/>
+        <p14:creationId xmlns:p14="http://schemas.microsoft.com/office/powerpoint/2010/main" val="2207049986"/>
       </p:ext>
     </p:extLst>
   </p:cSld>
@@ -2763,7 +2763,7 @@
           <p:cNvPr id="2" name="标题占位符 1">
             <a:extLst>
               <a:ext uri="{FF2B5EF4-FFF2-40B4-BE49-F238E27FC236}">
-                <a16:creationId xmlns:a16="http://schemas.microsoft.com/office/drawing/2014/main" id="{E06237FA-B7DB-A256-741B-6A5D1EAE877A}"/>
+                <a16:creationId xmlns:a16="http://schemas.microsoft.com/office/drawing/2014/main" id="{BF653A7C-4759-A8D8-3EBC-C76AD10531AB}"/>
               </a:ext>
             </a:extLst>
           </p:cNvPr>
@@ -2801,7 +2801,7 @@
           <p:cNvPr id="3" name="文本占位符 2">
             <a:extLst>
               <a:ext uri="{FF2B5EF4-FFF2-40B4-BE49-F238E27FC236}">
-                <a16:creationId xmlns:a16="http://schemas.microsoft.com/office/drawing/2014/main" id="{995BDF22-64C5-B108-A136-778103F8FB94}"/>
+                <a16:creationId xmlns:a16="http://schemas.microsoft.com/office/drawing/2014/main" id="{228FE1FE-E8FC-42AE-6105-04A759762D3E}"/>
               </a:ext>
             </a:extLst>
           </p:cNvPr>
@@ -2868,7 +2868,7 @@
           <p:cNvPr id="4" name="日期占位符 3">
             <a:extLst>
               <a:ext uri="{FF2B5EF4-FFF2-40B4-BE49-F238E27FC236}">
-                <a16:creationId xmlns:a16="http://schemas.microsoft.com/office/drawing/2014/main" id="{1B0D095D-2356-BFEF-9640-B34E7AA4F169}"/>
+                <a16:creationId xmlns:a16="http://schemas.microsoft.com/office/drawing/2014/main" id="{EB594DA0-310D-4510-5335-CD39A0EA0156}"/>
               </a:ext>
             </a:extLst>
           </p:cNvPr>
@@ -2902,7 +2902,7 @@
             </a:lvl1pPr>
           </a:lstStyle>
           <a:p>
-            <a:fld id="{B49C0AFC-9426-49FC-8D07-6F215596938C}" type="datetimeFigureOut">
+            <a:fld id="{EF43B790-BCE2-4698-B383-69BD48FC4FD8}" type="datetimeFigureOut">
               <a:rPr lang="zh-CN" altLang="en-US" smtClean="0"/>
               <a:t>2024/3/10</a:t>
             </a:fld>
@@ -2915,7 +2915,7 @@
           <p:cNvPr id="5" name="页脚占位符 4">
             <a:extLst>
               <a:ext uri="{FF2B5EF4-FFF2-40B4-BE49-F238E27FC236}">
-                <a16:creationId xmlns:a16="http://schemas.microsoft.com/office/drawing/2014/main" id="{EC9B0E35-79B4-30BD-9144-1FCE8DD3D4E8}"/>
+                <a16:creationId xmlns:a16="http://schemas.microsoft.com/office/drawing/2014/main" id="{7A3EB87C-F290-6538-0965-8C9085C112EC}"/>
               </a:ext>
             </a:extLst>
           </p:cNvPr>
@@ -2958,7 +2958,7 @@
           <p:cNvPr id="6" name="灯片编号占位符 5">
             <a:extLst>
               <a:ext uri="{FF2B5EF4-FFF2-40B4-BE49-F238E27FC236}">
-                <a16:creationId xmlns:a16="http://schemas.microsoft.com/office/drawing/2014/main" id="{F6B9FDB0-806F-6839-0402-91DC638011CA}"/>
+                <a16:creationId xmlns:a16="http://schemas.microsoft.com/office/drawing/2014/main" id="{CAB4D0ED-DF76-C2E5-5DEE-962DF5980437}"/>
               </a:ext>
             </a:extLst>
           </p:cNvPr>
@@ -2992,7 +2992,7 @@
             </a:lvl1pPr>
           </a:lstStyle>
           <a:p>
-            <a:fld id="{A91924B1-A882-4842-9E98-0150A3C483A5}" type="slidenum">
+            <a:fld id="{DFDAD4BF-AD11-4C05-B428-162DD0E548A1}" type="slidenum">
               <a:rPr lang="zh-CN" altLang="en-US" smtClean="0"/>
               <a:t>‹#›</a:t>
             </a:fld>
@@ -3003,7 +3003,7 @@
     </p:spTree>
     <p:extLst>
       <p:ext uri="{BB962C8B-B14F-4D97-AF65-F5344CB8AC3E}">
-        <p14:creationId xmlns:p14="http://schemas.microsoft.com/office/powerpoint/2010/main" val="607782759"/>
+        <p14:creationId xmlns:p14="http://schemas.microsoft.com/office/powerpoint/2010/main" val="667146749"/>
       </p:ext>
     </p:extLst>
   </p:cSld>
